--- a/Diapositiva proyecto.pptx
+++ b/Diapositiva proyecto.pptx
@@ -4262,29 +4262,13 @@
             </a:r>
             <a:r>
               <a:rPr lang="es-VE" sz="1600" dirty="0" smtClean="0"/>
-              <a:t> </a:t>
-            </a:r>
+              <a:t>   C.I:19.708.706</a:t>
+            </a:r>
+          </a:p>
+          <a:p>
             <a:r>
               <a:rPr lang="es-VE" sz="1600" dirty="0" smtClean="0"/>
-              <a:t>  </a:t>
-            </a:r>
-            <a:r>
-              <a:rPr lang="es-VE" sz="1600" dirty="0" smtClean="0"/>
-              <a:t>C.I:19.708.706</a:t>
-            </a:r>
-          </a:p>
-          <a:p>
-            <a:r>
-              <a:rPr lang="es-VE" sz="1600" dirty="0" smtClean="0"/>
-              <a:t>Carlos </a:t>
-            </a:r>
-            <a:r>
-              <a:rPr lang="es-VE" sz="1600" dirty="0" smtClean="0"/>
-              <a:t>Rodríguez </a:t>
-            </a:r>
-            <a:r>
-              <a:rPr lang="es-VE" sz="1600" dirty="0" smtClean="0"/>
-              <a:t>C.I:25.097.217</a:t>
+              <a:t>Carlos Rodríguez C.I:25.097.217</a:t>
             </a:r>
           </a:p>
           <a:p>
@@ -4298,13 +4282,8 @@
             </a:r>
             <a:r>
               <a:rPr lang="es-VE" sz="1600" dirty="0" smtClean="0"/>
-              <a:t> </a:t>
-            </a:r>
-            <a:r>
-              <a:rPr lang="es-VE" sz="1600" dirty="0" smtClean="0"/>
-              <a:t>  C.I:26.422.406</a:t>
-            </a:r>
-            <a:endParaRPr lang="es-VE" sz="1600" dirty="0" smtClean="0"/>
+              <a:t>   C.I:26.422.406</a:t>
+            </a:r>
           </a:p>
         </p:txBody>
       </p:sp>
@@ -5040,108 +5019,72 @@
               <a:rPr lang="es-VE" dirty="0" smtClean="0"/>
               <a:t>Introducción.</a:t>
             </a:r>
-            <a:endParaRPr lang="es-VE" dirty="0" smtClean="0"/>
           </a:p>
           <a:p>
             <a:r>
               <a:rPr lang="es-VE" dirty="0" smtClean="0"/>
               <a:t>Problema.</a:t>
             </a:r>
-            <a:endParaRPr lang="es-VE" dirty="0" smtClean="0"/>
           </a:p>
           <a:p>
             <a:r>
               <a:rPr lang="es-VE" dirty="0" smtClean="0"/>
-              <a:t>Objetivo general </a:t>
-            </a:r>
+              <a:t>Objetivo general .</a:t>
+            </a:r>
+          </a:p>
+          <a:p>
             <a:r>
               <a:rPr lang="es-VE" dirty="0" smtClean="0"/>
-              <a:t>.</a:t>
-            </a:r>
-            <a:endParaRPr lang="es-VE" dirty="0" smtClean="0"/>
-          </a:p>
-          <a:p>
-            <a:r>
-              <a:rPr lang="es-VE" dirty="0" smtClean="0"/>
-              <a:t>Objetivo </a:t>
-            </a:r>
-            <a:r>
-              <a:rPr lang="es-VE" dirty="0" smtClean="0"/>
-              <a:t>especifico.</a:t>
-            </a:r>
-            <a:endParaRPr lang="es-VE" dirty="0" smtClean="0"/>
+              <a:t>Objetivo especifico.</a:t>
+            </a:r>
           </a:p>
           <a:p>
             <a:r>
               <a:rPr lang="es-VE" dirty="0" smtClean="0"/>
               <a:t>Población.</a:t>
             </a:r>
-            <a:endParaRPr lang="es-VE" dirty="0" smtClean="0"/>
           </a:p>
           <a:p>
             <a:r>
               <a:rPr lang="es-VE" dirty="0" smtClean="0"/>
               <a:t>Muestra.</a:t>
             </a:r>
-            <a:endParaRPr lang="es-VE" dirty="0" smtClean="0"/>
           </a:p>
           <a:p>
             <a:r>
               <a:rPr lang="es-VE" dirty="0" smtClean="0"/>
-              <a:t>Justificación e </a:t>
-            </a:r>
-            <a:r>
-              <a:rPr lang="es-VE" dirty="0" smtClean="0"/>
-              <a:t>importancia.</a:t>
-            </a:r>
-            <a:endParaRPr lang="es-VE" dirty="0" smtClean="0"/>
+              <a:t>Justificación e importancia.</a:t>
+            </a:r>
           </a:p>
           <a:p>
             <a:r>
               <a:rPr lang="es-VE" dirty="0" smtClean="0"/>
               <a:t>Alcances.</a:t>
             </a:r>
-            <a:endParaRPr lang="es-VE" dirty="0" smtClean="0"/>
           </a:p>
           <a:p>
             <a:r>
               <a:rPr lang="es-VE" dirty="0" smtClean="0"/>
-              <a:t>Metodología de </a:t>
-            </a:r>
+              <a:t>Metodología de desarrollo.</a:t>
+            </a:r>
+          </a:p>
+          <a:p>
             <a:r>
               <a:rPr lang="es-VE" dirty="0" smtClean="0"/>
-              <a:t>desarrollo.</a:t>
-            </a:r>
-            <a:endParaRPr lang="es-VE" dirty="0" smtClean="0"/>
+              <a:t>Descripción del producto.</a:t>
+            </a:r>
           </a:p>
           <a:p>
             <a:r>
               <a:rPr lang="es-VE" dirty="0" smtClean="0"/>
-              <a:t>Descripción del </a:t>
-            </a:r>
-            <a:r>
-              <a:rPr lang="es-VE" dirty="0" smtClean="0"/>
-              <a:t>producto.</a:t>
-            </a:r>
-            <a:endParaRPr lang="es-VE" dirty="0" smtClean="0"/>
-          </a:p>
-          <a:p>
-            <a:r>
-              <a:rPr lang="es-VE" dirty="0" smtClean="0"/>
-              <a:t>Conclusión</a:t>
-            </a:r>
-            <a:r>
-              <a:rPr lang="es-VE" dirty="0" smtClean="0"/>
-              <a:t>.</a:t>
-            </a:r>
-            <a:endParaRPr lang="es-VE" dirty="0" smtClean="0"/>
+              <a:t>Conclusión.</a:t>
+            </a:r>
           </a:p>
           <a:p>
             <a:r>
               <a:rPr lang="es-VE" dirty="0" smtClean="0"/>
               <a:t>Recomendación.</a:t>
             </a:r>
-            <a:endParaRPr lang="es-VE" dirty="0" smtClean="0"/>
           </a:p>
           <a:p>
             <a:endParaRPr lang="es-VE" dirty="0"/>
@@ -5216,15 +5159,7 @@
             </a:pPr>
             <a:r>
               <a:rPr lang="es-VE" dirty="0" smtClean="0"/>
-              <a:t>Faces de la metodología </a:t>
-            </a:r>
-            <a:r>
-              <a:rPr lang="es-VE" dirty="0" err="1" smtClean="0"/>
-              <a:t>MeRinde</a:t>
-            </a:r>
-            <a:r>
-              <a:rPr lang="es-VE" dirty="0" smtClean="0"/>
-              <a:t>:</a:t>
+              <a:t>Faces de la metodología MeRinde:</a:t>
             </a:r>
           </a:p>
           <a:p>
